--- a/Figures/Architecture/Arc.pptx
+++ b/Figures/Architecture/Arc.pptx
@@ -197,7 +197,7 @@
           <a:p>
             <a:fld id="{76CD2412-33BF-174E-9BFB-FC072058772E}" type="datetimeFigureOut">
               <a:rPr lang="en-US" smtClean="0"/>
-              <a:t>7/7/25</a:t>
+              <a:t>7/29/25</a:t>
             </a:fld>
             <a:endParaRPr lang="en-US"/>
           </a:p>
@@ -734,7 +734,7 @@
           <a:p>
             <a:fld id="{46CBD626-719E-6642-8185-D4E8F0C4BE28}" type="datetimeFigureOut">
               <a:rPr lang="en-US" smtClean="0"/>
-              <a:t>7/7/25</a:t>
+              <a:t>7/29/25</a:t>
             </a:fld>
             <a:endParaRPr lang="en-US"/>
           </a:p>
@@ -932,7 +932,7 @@
           <a:p>
             <a:fld id="{46CBD626-719E-6642-8185-D4E8F0C4BE28}" type="datetimeFigureOut">
               <a:rPr lang="en-US" smtClean="0"/>
-              <a:t>7/7/25</a:t>
+              <a:t>7/29/25</a:t>
             </a:fld>
             <a:endParaRPr lang="en-US"/>
           </a:p>
@@ -1140,7 +1140,7 @@
           <a:p>
             <a:fld id="{46CBD626-719E-6642-8185-D4E8F0C4BE28}" type="datetimeFigureOut">
               <a:rPr lang="en-US" smtClean="0"/>
-              <a:t>7/7/25</a:t>
+              <a:t>7/29/25</a:t>
             </a:fld>
             <a:endParaRPr lang="en-US"/>
           </a:p>
@@ -1338,7 +1338,7 @@
           <a:p>
             <a:fld id="{46CBD626-719E-6642-8185-D4E8F0C4BE28}" type="datetimeFigureOut">
               <a:rPr lang="en-US" smtClean="0"/>
-              <a:t>7/7/25</a:t>
+              <a:t>7/29/25</a:t>
             </a:fld>
             <a:endParaRPr lang="en-US"/>
           </a:p>
@@ -1613,7 +1613,7 @@
           <a:p>
             <a:fld id="{46CBD626-719E-6642-8185-D4E8F0C4BE28}" type="datetimeFigureOut">
               <a:rPr lang="en-US" smtClean="0"/>
-              <a:t>7/7/25</a:t>
+              <a:t>7/29/25</a:t>
             </a:fld>
             <a:endParaRPr lang="en-US"/>
           </a:p>
@@ -1878,7 +1878,7 @@
           <a:p>
             <a:fld id="{46CBD626-719E-6642-8185-D4E8F0C4BE28}" type="datetimeFigureOut">
               <a:rPr lang="en-US" smtClean="0"/>
-              <a:t>7/7/25</a:t>
+              <a:t>7/29/25</a:t>
             </a:fld>
             <a:endParaRPr lang="en-US"/>
           </a:p>
@@ -2290,7 +2290,7 @@
           <a:p>
             <a:fld id="{46CBD626-719E-6642-8185-D4E8F0C4BE28}" type="datetimeFigureOut">
               <a:rPr lang="en-US" smtClean="0"/>
-              <a:t>7/7/25</a:t>
+              <a:t>7/29/25</a:t>
             </a:fld>
             <a:endParaRPr lang="en-US"/>
           </a:p>
@@ -2431,7 +2431,7 @@
           <a:p>
             <a:fld id="{46CBD626-719E-6642-8185-D4E8F0C4BE28}" type="datetimeFigureOut">
               <a:rPr lang="en-US" smtClean="0"/>
-              <a:t>7/7/25</a:t>
+              <a:t>7/29/25</a:t>
             </a:fld>
             <a:endParaRPr lang="en-US"/>
           </a:p>
@@ -2544,7 +2544,7 @@
           <a:p>
             <a:fld id="{46CBD626-719E-6642-8185-D4E8F0C4BE28}" type="datetimeFigureOut">
               <a:rPr lang="en-US" smtClean="0"/>
-              <a:t>7/7/25</a:t>
+              <a:t>7/29/25</a:t>
             </a:fld>
             <a:endParaRPr lang="en-US"/>
           </a:p>
@@ -2855,7 +2855,7 @@
           <a:p>
             <a:fld id="{46CBD626-719E-6642-8185-D4E8F0C4BE28}" type="datetimeFigureOut">
               <a:rPr lang="en-US" smtClean="0"/>
-              <a:t>7/7/25</a:t>
+              <a:t>7/29/25</a:t>
             </a:fld>
             <a:endParaRPr lang="en-US"/>
           </a:p>
@@ -3143,7 +3143,7 @@
           <a:p>
             <a:fld id="{46CBD626-719E-6642-8185-D4E8F0C4BE28}" type="datetimeFigureOut">
               <a:rPr lang="en-US" smtClean="0"/>
-              <a:t>7/7/25</a:t>
+              <a:t>7/29/25</a:t>
             </a:fld>
             <a:endParaRPr lang="en-US"/>
           </a:p>
@@ -3384,7 +3384,7 @@
           <a:p>
             <a:fld id="{46CBD626-719E-6642-8185-D4E8F0C4BE28}" type="datetimeFigureOut">
               <a:rPr lang="en-US" smtClean="0"/>
-              <a:t>7/7/25</a:t>
+              <a:t>7/29/25</a:t>
             </a:fld>
             <a:endParaRPr lang="en-US"/>
           </a:p>
@@ -4133,7 +4133,7 @@
                   <a:schemeClr val="bg1"/>
                 </a:solidFill>
               </a:rPr>
-              <a:t>G_CmC</a:t>
+              <a:t>G_STC</a:t>
             </a:r>
             <a:endParaRPr lang="en-US" sz="1200" baseline="-25000" dirty="0">
               <a:solidFill>
@@ -4285,7 +4285,7 @@
                   <a:schemeClr val="bg1"/>
                 </a:solidFill>
               </a:rPr>
-              <a:t>RT_CmC</a:t>
+              <a:t>RT_STC</a:t>
             </a:r>
             <a:endParaRPr lang="en-US" sz="1200" baseline="-25000" dirty="0">
               <a:solidFill>
@@ -6203,7 +6203,7 @@
         <p:spPr>
           <a:xfrm>
             <a:off x="5129274" y="3221546"/>
-            <a:ext cx="1300331" cy="400096"/>
+            <a:ext cx="1300331" cy="400110"/>
           </a:xfrm>
           <a:prstGeom prst="rect">
             <a:avLst/>
@@ -6219,15 +6219,7 @@
             <a:pPr algn="ctr"/>
             <a:r>
               <a:rPr lang="en-US" sz="1000" dirty="0"/>
-              <a:t>Change </a:t>
-            </a:r>
-            <a:r>
-              <a:rPr lang="en-US" sz="1000" i="1" dirty="0"/>
-              <a:t>m</a:t>
-            </a:r>
-            <a:r>
-              <a:rPr lang="en-US" sz="1000" dirty="0"/>
-              <a:t> Classifications</a:t>
+              <a:t>Suppress Training Confidence</a:t>
             </a:r>
           </a:p>
         </p:txBody>
@@ -6312,7 +6304,15 @@
             <a:pPr algn="ctr"/>
             <a:r>
               <a:rPr lang="en-US" sz="1000" dirty="0"/>
-              <a:t>Increase Training Loss</a:t>
+              <a:t>Change </a:t>
+            </a:r>
+            <a:r>
+              <a:rPr lang="en-US" sz="1000" i="1" dirty="0"/>
+              <a:t>m</a:t>
+            </a:r>
+            <a:r>
+              <a:rPr lang="en-US" sz="1000" dirty="0"/>
+              <a:t> Classifications</a:t>
             </a:r>
           </a:p>
         </p:txBody>
@@ -6407,8 +6407,8 @@
         </p:nvCxnSpPr>
         <p:spPr>
           <a:xfrm flipV="1">
-            <a:off x="4924211" y="3421594"/>
-            <a:ext cx="205063" cy="245005"/>
+            <a:off x="4924211" y="3421601"/>
+            <a:ext cx="205063" cy="244998"/>
           </a:xfrm>
           <a:prstGeom prst="bentConnector3">
             <a:avLst/>
@@ -6539,7 +6539,7 @@
         <p:spPr>
           <a:xfrm flipV="1">
             <a:off x="6429605" y="3202046"/>
-            <a:ext cx="312934" cy="219548"/>
+            <a:ext cx="312934" cy="219555"/>
           </a:xfrm>
           <a:prstGeom prst="bentConnector3">
             <a:avLst>
@@ -8038,8 +8038,8 @@
             </a:p>
           </p:txBody>
         </p:sp>
-        <mc:AlternateContent xmlns:mc="http://schemas.openxmlformats.org/markup-compatibility/2006">
-          <mc:Choice xmlns:a14="http://schemas.microsoft.com/office/drawing/2010/main" Requires="a14">
+        <mc:AlternateContent xmlns:mc="http://schemas.openxmlformats.org/markup-compatibility/2006" xmlns:a14="http://schemas.microsoft.com/office/drawing/2010/main">
+          <mc:Choice Requires="a14">
             <p:sp>
               <p:nvSpPr>
                 <p:cNvPr id="212" name="TextBox 211">
@@ -8107,7 +8107,7 @@
               </p:txBody>
             </p:sp>
           </mc:Choice>
-          <mc:Fallback>
+          <mc:Fallback xmlns="">
             <p:sp>
               <p:nvSpPr>
                 <p:cNvPr id="212" name="TextBox 211">
@@ -8152,8 +8152,8 @@
             </p:sp>
           </mc:Fallback>
         </mc:AlternateContent>
-        <mc:AlternateContent xmlns:mc="http://schemas.openxmlformats.org/markup-compatibility/2006">
-          <mc:Choice xmlns:a14="http://schemas.microsoft.com/office/drawing/2010/main" Requires="a14">
+        <mc:AlternateContent xmlns:mc="http://schemas.openxmlformats.org/markup-compatibility/2006" xmlns:a14="http://schemas.microsoft.com/office/drawing/2010/main">
+          <mc:Choice Requires="a14">
             <p:sp>
               <p:nvSpPr>
                 <p:cNvPr id="213" name="TextBox 212">
@@ -8221,7 +8221,7 @@
               </p:txBody>
             </p:sp>
           </mc:Choice>
-          <mc:Fallback>
+          <mc:Fallback xmlns="">
             <p:sp>
               <p:nvSpPr>
                 <p:cNvPr id="213" name="TextBox 212">
@@ -8267,8 +8267,8 @@
           </mc:Fallback>
         </mc:AlternateContent>
       </p:grpSp>
-      <mc:AlternateContent xmlns:mc="http://schemas.openxmlformats.org/markup-compatibility/2006">
-        <mc:Choice xmlns:a14="http://schemas.microsoft.com/office/drawing/2010/main" Requires="a14">
+      <mc:AlternateContent xmlns:mc="http://schemas.openxmlformats.org/markup-compatibility/2006" xmlns:a14="http://schemas.microsoft.com/office/drawing/2010/main">
+        <mc:Choice Requires="a14">
           <p:sp>
             <p:nvSpPr>
               <p:cNvPr id="232" name="TextBox 231">
@@ -8398,7 +8398,7 @@
             </p:txBody>
           </p:sp>
         </mc:Choice>
-        <mc:Fallback>
+        <mc:Fallback xmlns="">
           <p:sp>
             <p:nvSpPr>
               <p:cNvPr id="232" name="TextBox 231">
@@ -8510,16 +8510,13 @@
             <a:pPr algn="ctr"/>
             <a:r>
               <a:rPr lang="en-US" sz="1400" dirty="0"/>
-              <a:t>Optimization: </a:t>
+              <a:t>Optimization: STC/</a:t>
             </a:r>
             <a:r>
               <a:rPr lang="en-US" sz="1400" dirty="0" err="1"/>
               <a:t>CmC</a:t>
             </a:r>
-            <a:r>
-              <a:rPr lang="en-US" sz="1400" dirty="0"/>
-              <a:t>/ITL</a:t>
-            </a:r>
+            <a:endParaRPr lang="en-US" sz="1400" dirty="0"/>
           </a:p>
         </p:txBody>
       </p:sp>
@@ -8650,7 +8647,7 @@
                   <a:schemeClr val="bg1"/>
                 </a:solidFill>
               </a:rPr>
-              <a:t>G_ITL</a:t>
+              <a:t>G_CmC</a:t>
             </a:r>
             <a:endParaRPr lang="en-US" sz="1200" baseline="-25000" dirty="0">
               <a:solidFill>
@@ -8751,7 +8748,7 @@
                   <a:schemeClr val="bg1"/>
                 </a:solidFill>
               </a:rPr>
-              <a:t>RT_ITL</a:t>
+              <a:t>RT_CmC</a:t>
             </a:r>
             <a:endParaRPr lang="en-US" sz="1200" baseline="-25000" dirty="0">
               <a:solidFill>
@@ -8876,8 +8873,8 @@
           </a:p>
         </p:txBody>
       </p:sp>
-      <mc:AlternateContent xmlns:mc="http://schemas.openxmlformats.org/markup-compatibility/2006">
-        <mc:Choice xmlns:a14="http://schemas.microsoft.com/office/drawing/2010/main" Requires="a14">
+      <mc:AlternateContent xmlns:mc="http://schemas.openxmlformats.org/markup-compatibility/2006" xmlns:a14="http://schemas.microsoft.com/office/drawing/2010/main">
+        <mc:Choice Requires="a14">
           <p:sp>
             <p:nvSpPr>
               <p:cNvPr id="19" name="TextBox 18">
@@ -9007,7 +9004,7 @@
             </p:txBody>
           </p:sp>
         </mc:Choice>
-        <mc:Fallback>
+        <mc:Fallback xmlns="">
           <p:sp>
             <p:nvSpPr>
               <p:cNvPr id="19" name="TextBox 18">

--- a/Figures/Architecture/Arc.pptx
+++ b/Figures/Architecture/Arc.pptx
@@ -197,7 +197,7 @@
           <a:p>
             <a:fld id="{76CD2412-33BF-174E-9BFB-FC072058772E}" type="datetimeFigureOut">
               <a:rPr lang="en-US" smtClean="0"/>
-              <a:t>7/29/25</a:t>
+              <a:t>1/16/26</a:t>
             </a:fld>
             <a:endParaRPr lang="en-US"/>
           </a:p>
@@ -734,7 +734,7 @@
           <a:p>
             <a:fld id="{46CBD626-719E-6642-8185-D4E8F0C4BE28}" type="datetimeFigureOut">
               <a:rPr lang="en-US" smtClean="0"/>
-              <a:t>7/29/25</a:t>
+              <a:t>1/16/26</a:t>
             </a:fld>
             <a:endParaRPr lang="en-US"/>
           </a:p>
@@ -932,7 +932,7 @@
           <a:p>
             <a:fld id="{46CBD626-719E-6642-8185-D4E8F0C4BE28}" type="datetimeFigureOut">
               <a:rPr lang="en-US" smtClean="0"/>
-              <a:t>7/29/25</a:t>
+              <a:t>1/16/26</a:t>
             </a:fld>
             <a:endParaRPr lang="en-US"/>
           </a:p>
@@ -1140,7 +1140,7 @@
           <a:p>
             <a:fld id="{46CBD626-719E-6642-8185-D4E8F0C4BE28}" type="datetimeFigureOut">
               <a:rPr lang="en-US" smtClean="0"/>
-              <a:t>7/29/25</a:t>
+              <a:t>1/16/26</a:t>
             </a:fld>
             <a:endParaRPr lang="en-US"/>
           </a:p>
@@ -1338,7 +1338,7 @@
           <a:p>
             <a:fld id="{46CBD626-719E-6642-8185-D4E8F0C4BE28}" type="datetimeFigureOut">
               <a:rPr lang="en-US" smtClean="0"/>
-              <a:t>7/29/25</a:t>
+              <a:t>1/16/26</a:t>
             </a:fld>
             <a:endParaRPr lang="en-US"/>
           </a:p>
@@ -1613,7 +1613,7 @@
           <a:p>
             <a:fld id="{46CBD626-719E-6642-8185-D4E8F0C4BE28}" type="datetimeFigureOut">
               <a:rPr lang="en-US" smtClean="0"/>
-              <a:t>7/29/25</a:t>
+              <a:t>1/16/26</a:t>
             </a:fld>
             <a:endParaRPr lang="en-US"/>
           </a:p>
@@ -1878,7 +1878,7 @@
           <a:p>
             <a:fld id="{46CBD626-719E-6642-8185-D4E8F0C4BE28}" type="datetimeFigureOut">
               <a:rPr lang="en-US" smtClean="0"/>
-              <a:t>7/29/25</a:t>
+              <a:t>1/16/26</a:t>
             </a:fld>
             <a:endParaRPr lang="en-US"/>
           </a:p>
@@ -2290,7 +2290,7 @@
           <a:p>
             <a:fld id="{46CBD626-719E-6642-8185-D4E8F0C4BE28}" type="datetimeFigureOut">
               <a:rPr lang="en-US" smtClean="0"/>
-              <a:t>7/29/25</a:t>
+              <a:t>1/16/26</a:t>
             </a:fld>
             <a:endParaRPr lang="en-US"/>
           </a:p>
@@ -2431,7 +2431,7 @@
           <a:p>
             <a:fld id="{46CBD626-719E-6642-8185-D4E8F0C4BE28}" type="datetimeFigureOut">
               <a:rPr lang="en-US" smtClean="0"/>
-              <a:t>7/29/25</a:t>
+              <a:t>1/16/26</a:t>
             </a:fld>
             <a:endParaRPr lang="en-US"/>
           </a:p>
@@ -2544,7 +2544,7 @@
           <a:p>
             <a:fld id="{46CBD626-719E-6642-8185-D4E8F0C4BE28}" type="datetimeFigureOut">
               <a:rPr lang="en-US" smtClean="0"/>
-              <a:t>7/29/25</a:t>
+              <a:t>1/16/26</a:t>
             </a:fld>
             <a:endParaRPr lang="en-US"/>
           </a:p>
@@ -2855,7 +2855,7 @@
           <a:p>
             <a:fld id="{46CBD626-719E-6642-8185-D4E8F0C4BE28}" type="datetimeFigureOut">
               <a:rPr lang="en-US" smtClean="0"/>
-              <a:t>7/29/25</a:t>
+              <a:t>1/16/26</a:t>
             </a:fld>
             <a:endParaRPr lang="en-US"/>
           </a:p>
@@ -3143,7 +3143,7 @@
           <a:p>
             <a:fld id="{46CBD626-719E-6642-8185-D4E8F0C4BE28}" type="datetimeFigureOut">
               <a:rPr lang="en-US" smtClean="0"/>
-              <a:t>7/29/25</a:t>
+              <a:t>1/16/26</a:t>
             </a:fld>
             <a:endParaRPr lang="en-US"/>
           </a:p>
@@ -3384,7 +3384,7 @@
           <a:p>
             <a:fld id="{46CBD626-719E-6642-8185-D4E8F0C4BE28}" type="datetimeFigureOut">
               <a:rPr lang="en-US" smtClean="0"/>
-              <a:t>7/29/25</a:t>
+              <a:t>1/16/26</a:t>
             </a:fld>
             <a:endParaRPr lang="en-US"/>
           </a:p>
@@ -4196,107 +4196,6 @@
       </p:sp>
       <p:sp>
         <p:nvSpPr>
-          <p:cNvPr id="13" name="Rounded Rectangle 12">
-            <a:extLst>
-              <a:ext uri="{FF2B5EF4-FFF2-40B4-BE49-F238E27FC236}">
-                <a16:creationId xmlns:a16="http://schemas.microsoft.com/office/drawing/2014/main" id="{CEEFCE40-C36E-5983-3EDE-C422B3B28A24}"/>
-              </a:ext>
-            </a:extLst>
-          </p:cNvPr>
-          <p:cNvSpPr/>
-          <p:nvPr/>
-        </p:nvSpPr>
-        <p:spPr>
-          <a:xfrm>
-            <a:off x="9938727" y="2792325"/>
-            <a:ext cx="1230550" cy="819442"/>
-          </a:xfrm>
-          <a:prstGeom prst="roundRect">
-            <a:avLst>
-              <a:gd name="adj" fmla="val 34014"/>
-            </a:avLst>
-          </a:prstGeom>
-        </p:spPr>
-        <p:style>
-          <a:lnRef idx="2">
-            <a:schemeClr val="accent2">
-              <a:shade val="15000"/>
-            </a:schemeClr>
-          </a:lnRef>
-          <a:fillRef idx="1">
-            <a:schemeClr val="accent2"/>
-          </a:fillRef>
-          <a:effectRef idx="0">
-            <a:schemeClr val="accent2"/>
-          </a:effectRef>
-          <a:fontRef idx="minor">
-            <a:schemeClr val="lt1"/>
-          </a:fontRef>
-        </p:style>
-        <p:txBody>
-          <a:bodyPr rtlCol="0" anchor="ctr"/>
-          <a:lstStyle/>
-          <a:p>
-            <a:pPr algn="ctr"/>
-            <a:endParaRPr lang="en-US" dirty="0"/>
-          </a:p>
-        </p:txBody>
-      </p:sp>
-      <p:sp>
-        <p:nvSpPr>
-          <p:cNvPr id="14" name="TextBox 13">
-            <a:extLst>
-              <a:ext uri="{FF2B5EF4-FFF2-40B4-BE49-F238E27FC236}">
-                <a16:creationId xmlns:a16="http://schemas.microsoft.com/office/drawing/2014/main" id="{06A1C0D1-4FCD-F485-C57F-FAA86B313572}"/>
-              </a:ext>
-            </a:extLst>
-          </p:cNvPr>
-          <p:cNvSpPr txBox="1"/>
-          <p:nvPr/>
-        </p:nvSpPr>
-        <p:spPr>
-          <a:xfrm>
-            <a:off x="9824693" y="2887486"/>
-            <a:ext cx="1458618" cy="276999"/>
-          </a:xfrm>
-          <a:prstGeom prst="rect">
-            <a:avLst/>
-          </a:prstGeom>
-          <a:noFill/>
-        </p:spPr>
-        <p:txBody>
-          <a:bodyPr wrap="square" rtlCol="0">
-            <a:spAutoFit/>
-          </a:bodyPr>
-          <a:lstStyle/>
-          <a:p>
-            <a:pPr algn="ctr"/>
-            <a:r>
-              <a:rPr lang="en-US" sz="1200" dirty="0" err="1">
-                <a:solidFill>
-                  <a:schemeClr val="bg1"/>
-                </a:solidFill>
-              </a:rPr>
-              <a:t>Model</a:t>
-            </a:r>
-            <a:r>
-              <a:rPr lang="en-US" sz="1200" baseline="-25000" dirty="0" err="1">
-                <a:solidFill>
-                  <a:schemeClr val="bg1"/>
-                </a:solidFill>
-              </a:rPr>
-              <a:t>RT_STC</a:t>
-            </a:r>
-            <a:endParaRPr lang="en-US" sz="1200" baseline="-25000" dirty="0">
-              <a:solidFill>
-                <a:schemeClr val="bg1"/>
-              </a:solidFill>
-            </a:endParaRPr>
-          </a:p>
-        </p:txBody>
-      </p:sp>
-      <p:sp>
-        <p:nvSpPr>
           <p:cNvPr id="16" name="TextBox 15">
             <a:extLst>
               <a:ext uri="{FF2B5EF4-FFF2-40B4-BE49-F238E27FC236}">
@@ -4351,102 +4250,6 @@
           <a:xfrm>
             <a:off x="3512787" y="3663606"/>
             <a:ext cx="180874" cy="2993"/>
-          </a:xfrm>
-          <a:prstGeom prst="straightConnector1">
-            <a:avLst/>
-          </a:prstGeom>
-          <a:ln w="12700" cap="flat" cmpd="sng" algn="ctr">
-            <a:solidFill>
-              <a:schemeClr val="dk1"/>
-            </a:solidFill>
-            <a:prstDash val="solid"/>
-            <a:round/>
-            <a:headEnd type="none" w="med" len="med"/>
-            <a:tailEnd type="arrow" w="med" len="med"/>
-          </a:ln>
-        </p:spPr>
-        <p:style>
-          <a:lnRef idx="0">
-            <a:scrgbClr r="0" g="0" b="0"/>
-          </a:lnRef>
-          <a:fillRef idx="0">
-            <a:scrgbClr r="0" g="0" b="0"/>
-          </a:fillRef>
-          <a:effectRef idx="0">
-            <a:scrgbClr r="0" g="0" b="0"/>
-          </a:effectRef>
-          <a:fontRef idx="minor">
-            <a:schemeClr val="tx1"/>
-          </a:fontRef>
-        </p:style>
-      </p:cxnSp>
-      <p:cxnSp>
-        <p:nvCxnSpPr>
-          <p:cNvPr id="20" name="Straight Arrow Connector 19">
-            <a:extLst>
-              <a:ext uri="{FF2B5EF4-FFF2-40B4-BE49-F238E27FC236}">
-                <a16:creationId xmlns:a16="http://schemas.microsoft.com/office/drawing/2014/main" id="{1E4ED726-6BB1-C91B-4026-20C752F9DDEA}"/>
-              </a:ext>
-            </a:extLst>
-          </p:cNvPr>
-          <p:cNvCxnSpPr>
-            <a:cxnSpLocks/>
-            <a:stCxn id="9" idx="3"/>
-          </p:cNvCxnSpPr>
-          <p:nvPr/>
-        </p:nvCxnSpPr>
-        <p:spPr>
-          <a:xfrm>
-            <a:off x="7973089" y="3202046"/>
-            <a:ext cx="231602" cy="0"/>
-          </a:xfrm>
-          <a:prstGeom prst="straightConnector1">
-            <a:avLst/>
-          </a:prstGeom>
-          <a:ln w="12700" cap="flat" cmpd="sng" algn="ctr">
-            <a:solidFill>
-              <a:schemeClr val="dk1"/>
-            </a:solidFill>
-            <a:prstDash val="solid"/>
-            <a:round/>
-            <a:headEnd type="none" w="med" len="med"/>
-            <a:tailEnd type="arrow" w="med" len="med"/>
-          </a:ln>
-        </p:spPr>
-        <p:style>
-          <a:lnRef idx="0">
-            <a:scrgbClr r="0" g="0" b="0"/>
-          </a:lnRef>
-          <a:fillRef idx="0">
-            <a:scrgbClr r="0" g="0" b="0"/>
-          </a:fillRef>
-          <a:effectRef idx="0">
-            <a:scrgbClr r="0" g="0" b="0"/>
-          </a:effectRef>
-          <a:fontRef idx="minor">
-            <a:schemeClr val="tx1"/>
-          </a:fontRef>
-        </p:style>
-      </p:cxnSp>
-      <p:cxnSp>
-        <p:nvCxnSpPr>
-          <p:cNvPr id="21" name="Straight Arrow Connector 20">
-            <a:extLst>
-              <a:ext uri="{FF2B5EF4-FFF2-40B4-BE49-F238E27FC236}">
-                <a16:creationId xmlns:a16="http://schemas.microsoft.com/office/drawing/2014/main" id="{2D7CD329-ADAA-9D33-6493-37FD220325BC}"/>
-              </a:ext>
-            </a:extLst>
-          </p:cNvPr>
-          <p:cNvCxnSpPr>
-            <a:cxnSpLocks/>
-            <a:endCxn id="13" idx="1"/>
-          </p:cNvCxnSpPr>
-          <p:nvPr/>
-        </p:nvCxnSpPr>
-        <p:spPr>
-          <a:xfrm>
-            <a:off x="9688591" y="3200931"/>
-            <a:ext cx="250136" cy="1115"/>
           </a:xfrm>
           <a:prstGeom prst="straightConnector1">
             <a:avLst/>
@@ -8267,182 +8070,6 @@
           </mc:Fallback>
         </mc:AlternateContent>
       </p:grpSp>
-      <mc:AlternateContent xmlns:mc="http://schemas.openxmlformats.org/markup-compatibility/2006" xmlns:a14="http://schemas.microsoft.com/office/drawing/2010/main">
-        <mc:Choice Requires="a14">
-          <p:sp>
-            <p:nvSpPr>
-              <p:cNvPr id="232" name="TextBox 231">
-                <a:extLst>
-                  <a:ext uri="{FF2B5EF4-FFF2-40B4-BE49-F238E27FC236}">
-                    <a16:creationId xmlns:a16="http://schemas.microsoft.com/office/drawing/2014/main" id="{E1C86D80-E9D0-6AB2-F918-AFAF87CA781C}"/>
-                  </a:ext>
-                </a:extLst>
-              </p:cNvPr>
-              <p:cNvSpPr txBox="1"/>
-              <p:nvPr/>
-            </p:nvSpPr>
-            <p:spPr>
-              <a:xfrm>
-                <a:off x="10095481" y="3200931"/>
-                <a:ext cx="917046" cy="281103"/>
-              </a:xfrm>
-              <a:prstGeom prst="rect">
-                <a:avLst/>
-              </a:prstGeom>
-              <a:noFill/>
-            </p:spPr>
-            <p:txBody>
-              <a:bodyPr wrap="none" rtlCol="0">
-                <a:spAutoFit/>
-              </a:bodyPr>
-              <a:lstStyle/>
-              <a:p>
-                <a:pPr algn="ctr"/>
-                <a:r>
-                  <a:rPr lang="en-US" sz="1200" i="1" dirty="0">
-                    <a:solidFill>
-                      <a:schemeClr val="bg1"/>
-                    </a:solidFill>
-                  </a:rPr>
-                  <a:t>[</a:t>
-                </a:r>
-                <a14:m>
-                  <m:oMath xmlns:m="http://schemas.openxmlformats.org/officeDocument/2006/math">
-                    <m:acc>
-                      <m:accPr>
-                        <m:chr m:val="̅"/>
-                        <m:ctrlPr>
-                          <a:rPr lang="en-US" sz="1200" i="1" dirty="0" smtClean="0">
-                            <a:solidFill>
-                              <a:schemeClr val="bg1"/>
-                            </a:solidFill>
-                            <a:latin typeface="Cambria Math" panose="02040503050406030204" pitchFamily="18" charset="0"/>
-                          </a:rPr>
-                        </m:ctrlPr>
-                      </m:accPr>
-                      <m:e>
-                        <m:r>
-                          <a:rPr lang="en-US" sz="1200" i="1" dirty="0">
-                            <a:solidFill>
-                              <a:schemeClr val="bg1"/>
-                            </a:solidFill>
-                            <a:latin typeface="Cambria Math" panose="02040503050406030204" pitchFamily="18" charset="0"/>
-                          </a:rPr>
-                          <m:t>𝑊</m:t>
-                        </m:r>
-                      </m:e>
-                    </m:acc>
-                  </m:oMath>
-                </a14:m>
-                <a:r>
-                  <a:rPr lang="en-US" sz="1200" i="1" baseline="-25000" dirty="0">
-                    <a:solidFill>
-                      <a:schemeClr val="bg1"/>
-                    </a:solidFill>
-                  </a:rPr>
-                  <a:t>out </a:t>
-                </a:r>
-                <a:r>
-                  <a:rPr lang="en-US" sz="1200" i="1" dirty="0">
-                    <a:solidFill>
-                      <a:schemeClr val="bg1"/>
-                    </a:solidFill>
-                  </a:rPr>
-                  <a:t>, </a:t>
-                </a:r>
-                <a14:m>
-                  <m:oMath xmlns:m="http://schemas.openxmlformats.org/officeDocument/2006/math">
-                    <m:acc>
-                      <m:accPr>
-                        <m:chr m:val="̅"/>
-                        <m:ctrlPr>
-                          <a:rPr lang="en-US" sz="1200" i="1" dirty="0" smtClean="0">
-                            <a:solidFill>
-                              <a:schemeClr val="bg1"/>
-                            </a:solidFill>
-                            <a:latin typeface="Cambria Math" panose="02040503050406030204" pitchFamily="18" charset="0"/>
-                          </a:rPr>
-                        </m:ctrlPr>
-                      </m:accPr>
-                      <m:e>
-                        <m:r>
-                          <a:rPr lang="en-US" sz="1200" b="0" i="1" dirty="0" smtClean="0">
-                            <a:solidFill>
-                              <a:schemeClr val="bg1"/>
-                            </a:solidFill>
-                            <a:latin typeface="Cambria Math" panose="02040503050406030204" pitchFamily="18" charset="0"/>
-                          </a:rPr>
-                          <m:t>𝑏</m:t>
-                        </m:r>
-                      </m:e>
-                    </m:acc>
-                  </m:oMath>
-                </a14:m>
-                <a:r>
-                  <a:rPr lang="en-US" sz="1200" i="1" baseline="-25000" dirty="0">
-                    <a:solidFill>
-                      <a:schemeClr val="bg1"/>
-                    </a:solidFill>
-                  </a:rPr>
-                  <a:t>out </a:t>
-                </a:r>
-                <a:r>
-                  <a:rPr lang="en-US" sz="1200" i="1" dirty="0">
-                    <a:solidFill>
-                      <a:schemeClr val="bg1"/>
-                    </a:solidFill>
-                  </a:rPr>
-                  <a:t>]</a:t>
-                </a:r>
-              </a:p>
-            </p:txBody>
-          </p:sp>
-        </mc:Choice>
-        <mc:Fallback xmlns="">
-          <p:sp>
-            <p:nvSpPr>
-              <p:cNvPr id="232" name="TextBox 231">
-                <a:extLst>
-                  <a:ext uri="{FF2B5EF4-FFF2-40B4-BE49-F238E27FC236}">
-                    <a16:creationId xmlns:a16="http://schemas.microsoft.com/office/drawing/2014/main" id="{E1C86D80-E9D0-6AB2-F918-AFAF87CA781C}"/>
-                  </a:ext>
-                </a:extLst>
-              </p:cNvPr>
-              <p:cNvSpPr txBox="1">
-                <a:spLocks noRot="1" noChangeAspect="1" noMove="1" noResize="1" noEditPoints="1" noAdjustHandles="1" noChangeArrowheads="1" noChangeShapeType="1" noTextEdit="1"/>
-              </p:cNvSpPr>
-              <p:nvPr/>
-            </p:nvSpPr>
-            <p:spPr>
-              <a:xfrm>
-                <a:off x="10095481" y="3200931"/>
-                <a:ext cx="917046" cy="281103"/>
-              </a:xfrm>
-              <a:prstGeom prst="rect">
-                <a:avLst/>
-              </a:prstGeom>
-              <a:blipFill>
-                <a:blip r:embed="rId7"/>
-                <a:stretch>
-                  <a:fillRect b="-13043"/>
-                </a:stretch>
-              </a:blipFill>
-            </p:spPr>
-            <p:txBody>
-              <a:bodyPr/>
-              <a:lstStyle/>
-              <a:p>
-                <a:r>
-                  <a:rPr lang="en-US">
-                    <a:noFill/>
-                  </a:rPr>
-                  <a:t> </a:t>
-                </a:r>
-              </a:p>
-            </p:txBody>
-          </p:sp>
-        </mc:Fallback>
-      </mc:AlternateContent>
       <p:sp>
         <p:nvSpPr>
           <p:cNvPr id="233" name="TextBox 232">
